--- a/stock_learning_rnn/딥러닝과제_RNN주가예측모델_180623.pptx
+++ b/stock_learning_rnn/딥러닝과제_RNN주가예측모델_180623.pptx
@@ -198,7 +198,7 @@
       </p14:sectionLst>
     </p:ext>
     <p:ext uri="{EFAFB233-063F-42B5-8137-9DF3F51BA10A}">
-      <p15:sldGuideLst xmlns:p15="http://schemas.microsoft.com/office/powerpoint/2012/main">
+      <p15:sldGuideLst xmlns:p15="http://schemas.microsoft.com/office/powerpoint/2012/main" xmlns="">
         <p15:guide id="1" orient="horz" pos="3997" userDrawn="1">
           <p15:clr>
             <a:srgbClr val="A4A3A4"/>
@@ -272,7 +272,7 @@
       </p15:sldGuideLst>
     </p:ext>
     <p:ext uri="{2D200454-40CA-4A62-9FC3-DE9A4176ACB9}">
-      <p15:notesGuideLst xmlns:p15="http://schemas.microsoft.com/office/powerpoint/2012/main">
+      <p15:notesGuideLst xmlns:p15="http://schemas.microsoft.com/office/powerpoint/2012/main" xmlns="">
         <p15:guide id="1" orient="horz" pos="3128" userDrawn="1">
           <p15:clr>
             <a:srgbClr val="A4A3A4"/>
@@ -3491,17 +3491,7 @@
                 <a:latin typeface="맑은 고딕" pitchFamily="50" charset="-127"/>
                 <a:ea typeface="맑은 고딕" pitchFamily="50" charset="-127"/>
               </a:rPr>
-              <a:t>주가 </a:t>
-            </a:r>
-            <a:r>
-              <a:rPr lang="ko-KR" altLang="en-US" sz="4000" b="1" spc="-300" dirty="0" smtClean="0">
-                <a:solidFill>
-                  <a:srgbClr val="0070C0"/>
-                </a:solidFill>
-                <a:latin typeface="맑은 고딕" pitchFamily="50" charset="-127"/>
-                <a:ea typeface="맑은 고딕" pitchFamily="50" charset="-127"/>
-              </a:rPr>
-              <a:t>예측 모델링</a:t>
+              <a:t>주가 예측 모델링</a:t>
             </a:r>
             <a:endParaRPr kumimoji="1" lang="ko-KR" altLang="en-US" sz="4000" b="1" spc="-300" dirty="0">
               <a:solidFill>
@@ -4081,13 +4071,7 @@
               <a:rPr lang="ko-KR" altLang="en-US" dirty="0" smtClean="0">
                 <a:cs typeface="Arial" panose="020B0604020202020204" pitchFamily="34" charset="0"/>
               </a:rPr>
-              <a:t>모의 </a:t>
-            </a:r>
-            <a:r>
-              <a:rPr lang="ko-KR" altLang="en-US" dirty="0" smtClean="0">
-                <a:cs typeface="Arial" panose="020B0604020202020204" pitchFamily="34" charset="0"/>
-              </a:rPr>
-              <a:t>투자 방식</a:t>
+              <a:t>모의 투자 방식</a:t>
             </a:r>
             <a:endParaRPr lang="ko-KR" altLang="en-US" dirty="0">
               <a:cs typeface="Arial" panose="020B0604020202020204" pitchFamily="34" charset="0"/>
@@ -4616,6 +4600,47 @@
           </a:p>
         </p:txBody>
       </p:sp>
+      <p:pic>
+        <p:nvPicPr>
+          <p:cNvPr id="1026" name="Picture 2" descr="C:\Users\south\Pictures\wntlr.jpg"/>
+          <p:cNvPicPr>
+            <a:picLocks noChangeAspect="1" noChangeArrowheads="1"/>
+          </p:cNvPicPr>
+          <p:nvPr/>
+        </p:nvPicPr>
+        <p:blipFill>
+          <a:blip r:embed="rId2">
+            <a:extLst>
+              <a:ext uri="{28A0092B-C50C-407E-A947-70E740481C1C}">
+                <a14:useLocalDpi xmlns:a14="http://schemas.microsoft.com/office/drawing/2010/main" val="0"/>
+              </a:ext>
+            </a:extLst>
+          </a:blip>
+          <a:srcRect/>
+          <a:stretch>
+            <a:fillRect/>
+          </a:stretch>
+        </p:blipFill>
+        <p:spPr bwMode="auto">
+          <a:xfrm>
+            <a:off x="5552297" y="4239321"/>
+            <a:ext cx="3740103" cy="2370776"/>
+          </a:xfrm>
+          <a:prstGeom prst="rect">
+            <a:avLst/>
+          </a:prstGeom>
+          <a:noFill/>
+          <a:extLst>
+            <a:ext uri="{909E8E84-426E-40DD-AFC4-6F175D3DCCD1}">
+              <a14:hiddenFill xmlns:a14="http://schemas.microsoft.com/office/drawing/2010/main">
+                <a:solidFill>
+                  <a:srgbClr val="FFFFFF"/>
+                </a:solidFill>
+              </a14:hiddenFill>
+            </a:ext>
+          </a:extLst>
+        </p:spPr>
+      </p:pic>
     </p:spTree>
     <p:extLst>
       <p:ext uri="{BB962C8B-B14F-4D97-AF65-F5344CB8AC3E}">
@@ -4673,13 +4698,7 @@
               <a:rPr lang="ko-KR" altLang="en-US" dirty="0" smtClean="0">
                 <a:cs typeface="Arial" panose="020B0604020202020204" pitchFamily="34" charset="0"/>
               </a:rPr>
-              <a:t>모의투자 </a:t>
-            </a:r>
-            <a:r>
-              <a:rPr lang="ko-KR" altLang="en-US" dirty="0" smtClean="0">
-                <a:cs typeface="Arial" panose="020B0604020202020204" pitchFamily="34" charset="0"/>
-              </a:rPr>
-              <a:t>결과</a:t>
+              <a:t>모의투자 결과</a:t>
             </a:r>
             <a:endParaRPr lang="ko-KR" altLang="en-US" dirty="0">
               <a:cs typeface="Arial" panose="020B0604020202020204" pitchFamily="34" charset="0"/>
@@ -4857,15 +4876,7 @@
                 <a:ea typeface="맑은 고딕" panose="020B0503020000020004" pitchFamily="50" charset="-127"/>
                 <a:cs typeface="Arial" panose="020B0604020202020204" pitchFamily="34" charset="0"/>
               </a:rPr>
-              <a:t> </a:t>
-            </a:r>
-            <a:r>
-              <a:rPr lang="en-US" altLang="ko-KR" sz="2000" b="1" dirty="0" smtClean="0">
-                <a:latin typeface="Arial" panose="020B0604020202020204" pitchFamily="34" charset="0"/>
-                <a:ea typeface="맑은 고딕" panose="020B0503020000020004" pitchFamily="50" charset="-127"/>
-                <a:cs typeface="Arial" panose="020B0604020202020204" pitchFamily="34" charset="0"/>
-              </a:rPr>
-              <a:t>2% </a:t>
+              <a:t> 2% </a:t>
             </a:r>
             <a:r>
               <a:rPr lang="ko-KR" altLang="en-US" sz="2000" b="1" dirty="0" smtClean="0">
@@ -4906,7 +4917,15 @@
                 <a:ea typeface="맑은 고딕" panose="020B0503020000020004" pitchFamily="50" charset="-127"/>
                 <a:cs typeface="Arial" panose="020B0604020202020204" pitchFamily="34" charset="0"/>
               </a:rPr>
-              <a:t>최저</a:t>
+              <a:t>최저 </a:t>
+            </a:r>
+            <a:r>
+              <a:rPr lang="en-US" altLang="ko-KR" sz="2000" b="1" dirty="0" smtClean="0">
+                <a:latin typeface="Arial" panose="020B0604020202020204" pitchFamily="34" charset="0"/>
+                <a:ea typeface="맑은 고딕" panose="020B0503020000020004" pitchFamily="50" charset="-127"/>
+                <a:cs typeface="Arial" panose="020B0604020202020204" pitchFamily="34" charset="0"/>
+              </a:rPr>
+              <a:t>100</a:t>
             </a:r>
             <a:r>
               <a:rPr lang="ko-KR" altLang="en-US" sz="2000" b="1" dirty="0" smtClean="0">
@@ -4914,6 +4933,38 @@
                 <a:ea typeface="맑은 고딕" panose="020B0503020000020004" pitchFamily="50" charset="-127"/>
                 <a:cs typeface="Arial" panose="020B0604020202020204" pitchFamily="34" charset="0"/>
               </a:rPr>
+              <a:t>개 회사 평균 </a:t>
+            </a:r>
+            <a:r>
+              <a:rPr lang="en-US" altLang="ko-KR" sz="2000" b="1" dirty="0" smtClean="0">
+                <a:latin typeface="Arial" panose="020B0604020202020204" pitchFamily="34" charset="0"/>
+                <a:ea typeface="맑은 고딕" panose="020B0503020000020004" pitchFamily="50" charset="-127"/>
+                <a:cs typeface="Arial" panose="020B0604020202020204" pitchFamily="34" charset="0"/>
+              </a:rPr>
+              <a:t>: 1,043,841 </a:t>
+            </a:r>
+            <a:r>
+              <a:rPr lang="ko-KR" altLang="en-US" sz="2000" b="1" dirty="0" smtClean="0">
+                <a:latin typeface="Arial" panose="020B0604020202020204" pitchFamily="34" charset="0"/>
+                <a:ea typeface="맑은 고딕" panose="020B0503020000020004" pitchFamily="50" charset="-127"/>
+                <a:cs typeface="Arial" panose="020B0604020202020204" pitchFamily="34" charset="0"/>
+              </a:rPr>
+              <a:t>원 </a:t>
+            </a:r>
+            <a:r>
+              <a:rPr lang="en-US" altLang="ko-KR" sz="2000" b="1" dirty="0" smtClean="0">
+                <a:latin typeface="Arial" panose="020B0604020202020204" pitchFamily="34" charset="0"/>
+                <a:ea typeface="맑은 고딕" panose="020B0503020000020004" pitchFamily="50" charset="-127"/>
+                <a:cs typeface="Arial" panose="020B0604020202020204" pitchFamily="34" charset="0"/>
+              </a:rPr>
+              <a:t>:</a:t>
+            </a:r>
+            <a:r>
+              <a:rPr lang="ko-KR" altLang="en-US" sz="2000" b="1" dirty="0" smtClean="0">
+                <a:latin typeface="Arial" panose="020B0604020202020204" pitchFamily="34" charset="0"/>
+                <a:ea typeface="맑은 고딕" panose="020B0503020000020004" pitchFamily="50" charset="-127"/>
+                <a:cs typeface="Arial" panose="020B0604020202020204" pitchFamily="34" charset="0"/>
+              </a:rPr>
               <a:t> </a:t>
             </a:r>
             <a:r>
@@ -4922,63 +4973,7 @@
                 <a:ea typeface="맑은 고딕" panose="020B0503020000020004" pitchFamily="50" charset="-127"/>
                 <a:cs typeface="Arial" panose="020B0604020202020204" pitchFamily="34" charset="0"/>
               </a:rPr>
-              <a:t>100</a:t>
-            </a:r>
-            <a:r>
-              <a:rPr lang="ko-KR" altLang="en-US" sz="2000" b="1" dirty="0" smtClean="0">
-                <a:latin typeface="Arial" panose="020B0604020202020204" pitchFamily="34" charset="0"/>
-                <a:ea typeface="맑은 고딕" panose="020B0503020000020004" pitchFamily="50" charset="-127"/>
-                <a:cs typeface="Arial" panose="020B0604020202020204" pitchFamily="34" charset="0"/>
-              </a:rPr>
-              <a:t>개 회사 평균 </a:t>
-            </a:r>
-            <a:r>
-              <a:rPr lang="en-US" altLang="ko-KR" sz="2000" b="1" dirty="0" smtClean="0">
-                <a:latin typeface="Arial" panose="020B0604020202020204" pitchFamily="34" charset="0"/>
-                <a:ea typeface="맑은 고딕" panose="020B0503020000020004" pitchFamily="50" charset="-127"/>
-                <a:cs typeface="Arial" panose="020B0604020202020204" pitchFamily="34" charset="0"/>
-              </a:rPr>
-              <a:t>: 1,043,841 </a:t>
-            </a:r>
-            <a:r>
-              <a:rPr lang="ko-KR" altLang="en-US" sz="2000" b="1" dirty="0" smtClean="0">
-                <a:latin typeface="Arial" panose="020B0604020202020204" pitchFamily="34" charset="0"/>
-                <a:ea typeface="맑은 고딕" panose="020B0503020000020004" pitchFamily="50" charset="-127"/>
-                <a:cs typeface="Arial" panose="020B0604020202020204" pitchFamily="34" charset="0"/>
-              </a:rPr>
-              <a:t>원 </a:t>
-            </a:r>
-            <a:r>
-              <a:rPr lang="en-US" altLang="ko-KR" sz="2000" b="1" dirty="0" smtClean="0">
-                <a:latin typeface="Arial" panose="020B0604020202020204" pitchFamily="34" charset="0"/>
-                <a:ea typeface="맑은 고딕" panose="020B0503020000020004" pitchFamily="50" charset="-127"/>
-                <a:cs typeface="Arial" panose="020B0604020202020204" pitchFamily="34" charset="0"/>
-              </a:rPr>
-              <a:t>:</a:t>
-            </a:r>
-            <a:r>
-              <a:rPr lang="ko-KR" altLang="en-US" sz="2000" b="1" dirty="0" smtClean="0">
-                <a:latin typeface="Arial" panose="020B0604020202020204" pitchFamily="34" charset="0"/>
-                <a:ea typeface="맑은 고딕" panose="020B0503020000020004" pitchFamily="50" charset="-127"/>
-                <a:cs typeface="Arial" panose="020B0604020202020204" pitchFamily="34" charset="0"/>
-              </a:rPr>
-              <a:t> </a:t>
-            </a:r>
-            <a:r>
-              <a:rPr lang="en-US" altLang="ko-KR" sz="2000" b="1" dirty="0" smtClean="0">
-                <a:latin typeface="Arial" panose="020B0604020202020204" pitchFamily="34" charset="0"/>
-                <a:ea typeface="맑은 고딕" panose="020B0503020000020004" pitchFamily="50" charset="-127"/>
-                <a:cs typeface="Arial" panose="020B0604020202020204" pitchFamily="34" charset="0"/>
-              </a:rPr>
-              <a:t> </a:t>
-            </a:r>
-            <a:r>
-              <a:rPr lang="en-US" altLang="ko-KR" sz="2000" b="1" dirty="0" smtClean="0">
-                <a:latin typeface="Arial" panose="020B0604020202020204" pitchFamily="34" charset="0"/>
-                <a:ea typeface="맑은 고딕" panose="020B0503020000020004" pitchFamily="50" charset="-127"/>
-                <a:cs typeface="Arial" panose="020B0604020202020204" pitchFamily="34" charset="0"/>
-              </a:rPr>
-              <a:t>4.3% </a:t>
+              <a:t> 4.3% </a:t>
             </a:r>
             <a:r>
               <a:rPr lang="ko-KR" altLang="en-US" sz="2000" b="1" dirty="0" smtClean="0">
@@ -5057,8 +5052,8 @@
         </p:blipFill>
         <p:spPr>
           <a:xfrm>
-            <a:off x="1282554" y="2392662"/>
-            <a:ext cx="5683542" cy="4019757"/>
+            <a:off x="1215879" y="2324100"/>
+            <a:ext cx="6054240" cy="4281938"/>
           </a:xfrm>
           <a:prstGeom prst="rect">
             <a:avLst/>
@@ -5332,6 +5327,47 @@
           </a:p>
         </p:txBody>
       </p:sp>
+      <p:pic>
+        <p:nvPicPr>
+          <p:cNvPr id="2050" name="Picture 2" descr="C:\Users\south\Pictures\images.png"/>
+          <p:cNvPicPr>
+            <a:picLocks noChangeAspect="1" noChangeArrowheads="1"/>
+          </p:cNvPicPr>
+          <p:nvPr/>
+        </p:nvPicPr>
+        <p:blipFill>
+          <a:blip r:embed="rId2">
+            <a:extLst>
+              <a:ext uri="{28A0092B-C50C-407E-A947-70E740481C1C}">
+                <a14:useLocalDpi xmlns:a14="http://schemas.microsoft.com/office/drawing/2010/main" val="0"/>
+              </a:ext>
+            </a:extLst>
+          </a:blip>
+          <a:srcRect/>
+          <a:stretch>
+            <a:fillRect/>
+          </a:stretch>
+        </p:blipFill>
+        <p:spPr bwMode="auto">
+          <a:xfrm>
+            <a:off x="4854216" y="2332611"/>
+            <a:ext cx="3943936" cy="3943936"/>
+          </a:xfrm>
+          <a:prstGeom prst="rect">
+            <a:avLst/>
+          </a:prstGeom>
+          <a:noFill/>
+          <a:extLst>
+            <a:ext uri="{909E8E84-426E-40DD-AFC4-6F175D3DCCD1}">
+              <a14:hiddenFill xmlns:a14="http://schemas.microsoft.com/office/drawing/2010/main">
+                <a:solidFill>
+                  <a:srgbClr val="FFFFFF"/>
+                </a:solidFill>
+              </a14:hiddenFill>
+            </a:ext>
+          </a:extLst>
+        </p:spPr>
+      </p:pic>
     </p:spTree>
     <p:extLst>
       <p:ext uri="{BB962C8B-B14F-4D97-AF65-F5344CB8AC3E}">
@@ -9729,7 +9765,15 @@
                 <a:ea typeface="맑은 고딕" panose="020B0503020000020004" pitchFamily="50" charset="-127"/>
                 <a:cs typeface="Arial" panose="020B0604020202020204" pitchFamily="34" charset="0"/>
               </a:rPr>
-              <a:t>상장 </a:t>
+              <a:t>상장 회사 정보 </a:t>
+            </a:r>
+            <a:r>
+              <a:rPr lang="en-US" altLang="ko-KR" sz="2000" b="1" dirty="0" smtClean="0">
+                <a:latin typeface="Arial" panose="020B0604020202020204" pitchFamily="34" charset="0"/>
+                <a:ea typeface="맑은 고딕" panose="020B0503020000020004" pitchFamily="50" charset="-127"/>
+                <a:cs typeface="Arial" panose="020B0604020202020204" pitchFamily="34" charset="0"/>
+              </a:rPr>
+              <a:t>( </a:t>
             </a:r>
             <a:r>
               <a:rPr lang="ko-KR" altLang="en-US" sz="2000" b="1" dirty="0" smtClean="0">
@@ -9737,7 +9781,7 @@
                 <a:ea typeface="맑은 고딕" panose="020B0503020000020004" pitchFamily="50" charset="-127"/>
                 <a:cs typeface="Arial" panose="020B0604020202020204" pitchFamily="34" charset="0"/>
               </a:rPr>
-              <a:t>회사 정보 </a:t>
+              <a:t>총 </a:t>
             </a:r>
             <a:r>
               <a:rPr lang="en-US" altLang="ko-KR" sz="2000" b="1" dirty="0" smtClean="0">
@@ -9745,7 +9789,7 @@
                 <a:ea typeface="맑은 고딕" panose="020B0503020000020004" pitchFamily="50" charset="-127"/>
                 <a:cs typeface="Arial" panose="020B0604020202020204" pitchFamily="34" charset="0"/>
               </a:rPr>
-              <a:t>( </a:t>
+              <a:t>2196</a:t>
             </a:r>
             <a:r>
               <a:rPr lang="ko-KR" altLang="en-US" sz="2000" b="1" dirty="0" smtClean="0">
@@ -9753,7 +9797,7 @@
                 <a:ea typeface="맑은 고딕" panose="020B0503020000020004" pitchFamily="50" charset="-127"/>
                 <a:cs typeface="Arial" panose="020B0604020202020204" pitchFamily="34" charset="0"/>
               </a:rPr>
-              <a:t>총 </a:t>
+              <a:t>개 </a:t>
             </a:r>
             <a:r>
               <a:rPr lang="en-US" altLang="ko-KR" sz="2000" b="1" dirty="0" smtClean="0">
@@ -9761,29 +9805,8 @@
                 <a:ea typeface="맑은 고딕" panose="020B0503020000020004" pitchFamily="50" charset="-127"/>
                 <a:cs typeface="Arial" panose="020B0604020202020204" pitchFamily="34" charset="0"/>
               </a:rPr>
-              <a:t>2196</a:t>
-            </a:r>
-            <a:r>
-              <a:rPr lang="ko-KR" altLang="en-US" sz="2000" b="1" dirty="0" smtClean="0">
-                <a:latin typeface="Arial" panose="020B0604020202020204" pitchFamily="34" charset="0"/>
-                <a:ea typeface="맑은 고딕" panose="020B0503020000020004" pitchFamily="50" charset="-127"/>
-                <a:cs typeface="Arial" panose="020B0604020202020204" pitchFamily="34" charset="0"/>
-              </a:rPr>
-              <a:t>개 </a:t>
-            </a:r>
-            <a:r>
-              <a:rPr lang="en-US" altLang="ko-KR" sz="2000" b="1" dirty="0" smtClean="0">
-                <a:latin typeface="Arial" panose="020B0604020202020204" pitchFamily="34" charset="0"/>
-                <a:ea typeface="맑은 고딕" panose="020B0503020000020004" pitchFamily="50" charset="-127"/>
-                <a:cs typeface="Arial" panose="020B0604020202020204" pitchFamily="34" charset="0"/>
-              </a:rPr>
               <a:t>)</a:t>
             </a:r>
-            <a:endParaRPr lang="en-US" altLang="ko-KR" sz="2000" b="1" dirty="0" smtClean="0">
-              <a:latin typeface="Arial" panose="020B0604020202020204" pitchFamily="34" charset="0"/>
-              <a:ea typeface="맑은 고딕" panose="020B0503020000020004" pitchFamily="50" charset="-127"/>
-              <a:cs typeface="Arial" panose="020B0604020202020204" pitchFamily="34" charset="0"/>
-            </a:endParaRPr>
           </a:p>
         </p:txBody>
       </p:sp>
@@ -12722,23 +12745,7 @@
                 <a:ea typeface="맑은 고딕" panose="020B0503020000020004" pitchFamily="50" charset="-127"/>
                 <a:cs typeface="Arial" panose="020B0604020202020204" pitchFamily="34" charset="0"/>
               </a:rPr>
-              <a:t>종목코드별 </a:t>
-            </a:r>
-            <a:r>
-              <a:rPr lang="ko-KR" altLang="en-US" sz="2000" b="1" dirty="0" smtClean="0">
-                <a:latin typeface="Arial" panose="020B0604020202020204" pitchFamily="34" charset="0"/>
-                <a:ea typeface="맑은 고딕" panose="020B0503020000020004" pitchFamily="50" charset="-127"/>
-                <a:cs typeface="Arial" panose="020B0604020202020204" pitchFamily="34" charset="0"/>
-              </a:rPr>
-              <a:t>주식 </a:t>
-            </a:r>
-            <a:r>
-              <a:rPr lang="ko-KR" altLang="en-US" sz="2000" b="1" dirty="0" smtClean="0">
-                <a:latin typeface="Arial" panose="020B0604020202020204" pitchFamily="34" charset="0"/>
-                <a:ea typeface="맑은 고딕" panose="020B0503020000020004" pitchFamily="50" charset="-127"/>
-                <a:cs typeface="Arial" panose="020B0604020202020204" pitchFamily="34" charset="0"/>
-              </a:rPr>
-              <a:t>데이터 </a:t>
+              <a:t>종목코드별 주식 데이터 </a:t>
             </a:r>
             <a:r>
               <a:rPr lang="en-US" altLang="ko-KR" sz="2000" b="1" dirty="0" smtClean="0">
@@ -13035,15 +13042,7 @@
                 <a:ea typeface="맑은 고딕" panose="020B0503020000020004" pitchFamily="50" charset="-127"/>
                 <a:cs typeface="Arial" panose="020B0604020202020204" pitchFamily="34" charset="0"/>
               </a:rPr>
-              <a:t>년 </a:t>
-            </a:r>
-            <a:r>
-              <a:rPr lang="ko-KR" altLang="en-US" sz="2000" b="1" dirty="0" smtClean="0">
-                <a:latin typeface="Arial" panose="020B0604020202020204" pitchFamily="34" charset="0"/>
-                <a:ea typeface="맑은 고딕" panose="020B0503020000020004" pitchFamily="50" charset="-127"/>
-                <a:cs typeface="Arial" panose="020B0604020202020204" pitchFamily="34" charset="0"/>
-              </a:rPr>
-              <a:t>이전에 상장한 회사만으로 선정 </a:t>
+              <a:t>년 이전에 상장한 회사만으로 선정 </a:t>
             </a:r>
             <a:r>
               <a:rPr lang="en-US" altLang="ko-KR" sz="2000" b="1" dirty="0" smtClean="0">
@@ -14590,7 +14589,15 @@
                 <a:ea typeface="맑은 고딕" panose="020B0503020000020004" pitchFamily="50" charset="-127"/>
                 <a:cs typeface="Arial" panose="020B0604020202020204" pitchFamily="34" charset="0"/>
               </a:rPr>
-              <a:t>선택을 </a:t>
+              <a:t>선택을 위하 단 </a:t>
+            </a:r>
+            <a:r>
+              <a:rPr lang="en-US" altLang="ko-KR" sz="2000" b="1" dirty="0" smtClean="0">
+                <a:latin typeface="Arial" panose="020B0604020202020204" pitchFamily="34" charset="0"/>
+                <a:ea typeface="맑은 고딕" panose="020B0503020000020004" pitchFamily="50" charset="-127"/>
+                <a:cs typeface="Arial" panose="020B0604020202020204" pitchFamily="34" charset="0"/>
+              </a:rPr>
+              <a:t>3</a:t>
             </a:r>
             <a:r>
               <a:rPr lang="ko-KR" altLang="en-US" sz="2000" b="1" dirty="0" smtClean="0">
@@ -14598,29 +14605,8 @@
                 <a:ea typeface="맑은 고딕" panose="020B0503020000020004" pitchFamily="50" charset="-127"/>
                 <a:cs typeface="Arial" panose="020B0604020202020204" pitchFamily="34" charset="0"/>
               </a:rPr>
-              <a:t>위하 단 </a:t>
-            </a:r>
-            <a:r>
-              <a:rPr lang="en-US" altLang="ko-KR" sz="2000" b="1" dirty="0" smtClean="0">
-                <a:latin typeface="Arial" panose="020B0604020202020204" pitchFamily="34" charset="0"/>
-                <a:ea typeface="맑은 고딕" panose="020B0503020000020004" pitchFamily="50" charset="-127"/>
-                <a:cs typeface="Arial" panose="020B0604020202020204" pitchFamily="34" charset="0"/>
-              </a:rPr>
-              <a:t>3</a:t>
-            </a:r>
-            <a:r>
-              <a:rPr lang="ko-KR" altLang="en-US" sz="2000" b="1" dirty="0" smtClean="0">
-                <a:latin typeface="Arial" panose="020B0604020202020204" pitchFamily="34" charset="0"/>
-                <a:ea typeface="맑은 고딕" panose="020B0503020000020004" pitchFamily="50" charset="-127"/>
-                <a:cs typeface="Arial" panose="020B0604020202020204" pitchFamily="34" charset="0"/>
-              </a:rPr>
               <a:t>개 종목만을 가지고 트레이닝하며 다양한 파라미터 시도 하여 최적의 값을 선정</a:t>
             </a:r>
-            <a:endParaRPr lang="ko-KR" altLang="en-US" sz="2000" b="1" dirty="0" smtClean="0">
-              <a:latin typeface="Arial" panose="020B0604020202020204" pitchFamily="34" charset="0"/>
-              <a:ea typeface="맑은 고딕" panose="020B0503020000020004" pitchFamily="50" charset="-127"/>
-              <a:cs typeface="Arial" panose="020B0604020202020204" pitchFamily="34" charset="0"/>
-            </a:endParaRPr>
           </a:p>
         </p:txBody>
       </p:sp>
@@ -18821,15 +18807,7 @@
                 <a:ea typeface="맑은 고딕" panose="020B0503020000020004" pitchFamily="50" charset="-127"/>
                 <a:cs typeface="Arial" panose="020B0604020202020204" pitchFamily="34" charset="0"/>
               </a:rPr>
-              <a:t>L</a:t>
-            </a:r>
-            <a:r>
-              <a:rPr lang="en-US" altLang="ko-KR" sz="2000" b="1" dirty="0" smtClean="0">
-                <a:latin typeface="Arial" panose="020B0604020202020204" pitchFamily="34" charset="0"/>
-                <a:ea typeface="맑은 고딕" panose="020B0503020000020004" pitchFamily="50" charset="-127"/>
-                <a:cs typeface="Arial" panose="020B0604020202020204" pitchFamily="34" charset="0"/>
-              </a:rPr>
-              <a:t>STM cell</a:t>
+              <a:t>LSTM cell</a:t>
             </a:r>
             <a:r>
               <a:rPr lang="ko-KR" altLang="en-US" sz="2000" b="1" dirty="0" smtClean="0">
@@ -19066,8 +19044,8 @@
         </p:nvSpPr>
         <p:spPr>
           <a:xfrm>
-            <a:off x="475585" y="3468231"/>
-            <a:ext cx="8274368" cy="3102904"/>
+            <a:off x="475585" y="3421230"/>
+            <a:ext cx="8274368" cy="3194331"/>
           </a:xfrm>
           <a:prstGeom prst="rect">
             <a:avLst/>
@@ -19767,7 +19745,7 @@
         </p:nvSpPr>
         <p:spPr>
           <a:xfrm>
-            <a:off x="698182" y="2785778"/>
+            <a:off x="8177537" y="3438251"/>
             <a:ext cx="572416" cy="317246"/>
           </a:xfrm>
           <a:prstGeom prst="rect">

--- a/stock_learning_rnn/딥러닝과제_RNN주가예측모델_180623.pptx
+++ b/stock_learning_rnn/딥러닝과제_RNN주가예측모델_180623.pptx
@@ -198,7 +198,7 @@
       </p14:sectionLst>
     </p:ext>
     <p:ext uri="{EFAFB233-063F-42B5-8137-9DF3F51BA10A}">
-      <p15:sldGuideLst xmlns:p15="http://schemas.microsoft.com/office/powerpoint/2012/main" xmlns="">
+      <p15:sldGuideLst xmlns="" xmlns:p15="http://schemas.microsoft.com/office/powerpoint/2012/main">
         <p15:guide id="1" orient="horz" pos="3997" userDrawn="1">
           <p15:clr>
             <a:srgbClr val="A4A3A4"/>
@@ -272,7 +272,7 @@
       </p15:sldGuideLst>
     </p:ext>
     <p:ext uri="{2D200454-40CA-4A62-9FC3-DE9A4176ACB9}">
-      <p15:notesGuideLst xmlns:p15="http://schemas.microsoft.com/office/powerpoint/2012/main" xmlns="">
+      <p15:notesGuideLst xmlns="" xmlns:p15="http://schemas.microsoft.com/office/powerpoint/2012/main">
         <p15:guide id="1" orient="horz" pos="3128" userDrawn="1">
           <p15:clr>
             <a:srgbClr val="A4A3A4"/>
@@ -5032,9 +5032,9 @@
       </p:sp>
       <p:pic>
         <p:nvPicPr>
-          <p:cNvPr id="6" name="그림 5"/>
+          <p:cNvPr id="1027" name="Picture 3" descr="C:\Users\south\Pictures\주식모의투자_종목별2.PNG"/>
           <p:cNvPicPr>
-            <a:picLocks noChangeAspect="1"/>
+            <a:picLocks noChangeAspect="1" noChangeArrowheads="1"/>
           </p:cNvPicPr>
           <p:nvPr/>
         </p:nvPicPr>
@@ -5046,20 +5046,177 @@
               </a:ext>
             </a:extLst>
           </a:blip>
+          <a:srcRect/>
           <a:stretch>
             <a:fillRect/>
           </a:stretch>
         </p:blipFill>
-        <p:spPr>
+        <p:spPr bwMode="auto">
           <a:xfrm>
-            <a:off x="1215879" y="2324100"/>
-            <a:ext cx="6054240" cy="4281938"/>
+            <a:off x="1377950" y="2402187"/>
+            <a:ext cx="6482132" cy="4208333"/>
           </a:xfrm>
           <a:prstGeom prst="rect">
             <a:avLst/>
           </a:prstGeom>
+          <a:noFill/>
+          <a:extLst>
+            <a:ext uri="{909E8E84-426E-40DD-AFC4-6F175D3DCCD1}">
+              <a14:hiddenFill xmlns:a14="http://schemas.microsoft.com/office/drawing/2010/main">
+                <a:solidFill>
+                  <a:srgbClr val="FFFFFF"/>
+                </a:solidFill>
+              </a14:hiddenFill>
+            </a:ext>
+          </a:extLst>
         </p:spPr>
       </p:pic>
+      <p:sp>
+        <p:nvSpPr>
+          <p:cNvPr id="4" name="덧셈 기호 3"/>
+          <p:cNvSpPr/>
+          <p:nvPr/>
+        </p:nvSpPr>
+        <p:spPr bwMode="gray">
+          <a:xfrm>
+            <a:off x="3181350" y="2790825"/>
+            <a:ext cx="342900" cy="295275"/>
+          </a:xfrm>
+          <a:prstGeom prst="mathPlus">
+            <a:avLst/>
+          </a:prstGeom>
+          <a:ln/>
+        </p:spPr>
+        <p:style>
+          <a:lnRef idx="2">
+            <a:schemeClr val="accent2">
+              <a:shade val="50000"/>
+            </a:schemeClr>
+          </a:lnRef>
+          <a:fillRef idx="1">
+            <a:schemeClr val="accent2"/>
+          </a:fillRef>
+          <a:effectRef idx="0">
+            <a:schemeClr val="accent2"/>
+          </a:effectRef>
+          <a:fontRef idx="minor">
+            <a:schemeClr val="lt1"/>
+          </a:fontRef>
+        </p:style>
+        <p:txBody>
+          <a:bodyPr rtlCol="0" anchor="ctr">
+            <a:scene3d>
+              <a:camera prst="orthographicFront"/>
+              <a:lightRig rig="soft" dir="tl">
+                <a:rot lat="0" lon="0" rev="0"/>
+              </a:lightRig>
+            </a:scene3d>
+            <a:sp3d contourW="25400" prstMaterial="matte">
+              <a:bevelT w="25400" h="55880" prst="artDeco"/>
+              <a:contourClr>
+                <a:schemeClr val="accent2">
+                  <a:tint val="20000"/>
+                </a:schemeClr>
+              </a:contourClr>
+            </a:sp3d>
+          </a:bodyPr>
+          <a:lstStyle/>
+          <a:p>
+            <a:pPr algn="ctr">
+              <a:lnSpc>
+                <a:spcPct val="100000"/>
+              </a:lnSpc>
+              <a:spcBef>
+                <a:spcPts val="0"/>
+              </a:spcBef>
+            </a:pPr>
+            <a:endParaRPr lang="ko-KR" altLang="en-US" b="1" spc="50" dirty="0" smtClean="0">
+              <a:ln w="11430"/>
+              <a:gradFill>
+                <a:gsLst>
+                  <a:gs pos="25000">
+                    <a:schemeClr val="accent2">
+                      <a:satMod val="155000"/>
+                    </a:schemeClr>
+                  </a:gs>
+                  <a:gs pos="100000">
+                    <a:schemeClr val="accent2">
+                      <a:shade val="45000"/>
+                      <a:satMod val="165000"/>
+                    </a:schemeClr>
+                  </a:gs>
+                </a:gsLst>
+                <a:lin ang="5400000"/>
+              </a:gradFill>
+              <a:effectLst>
+                <a:outerShdw blurRad="76200" dist="50800" dir="5400000" algn="tl" rotWithShape="0">
+                  <a:srgbClr val="000000">
+                    <a:alpha val="65000"/>
+                  </a:srgbClr>
+                </a:outerShdw>
+              </a:effectLst>
+              <a:latin typeface="Arial" panose="020B0604020202020204" pitchFamily="34" charset="0"/>
+              <a:ea typeface="맑은 고딕" pitchFamily="50" charset="-127"/>
+              <a:cs typeface="Arial" panose="020B0604020202020204" pitchFamily="34" charset="0"/>
+            </a:endParaRPr>
+          </a:p>
+        </p:txBody>
+      </p:sp>
+      <p:sp>
+        <p:nvSpPr>
+          <p:cNvPr id="7" name="뺄셈 기호 6"/>
+          <p:cNvSpPr/>
+          <p:nvPr/>
+        </p:nvSpPr>
+        <p:spPr bwMode="gray">
+          <a:xfrm>
+            <a:off x="6572250" y="2805112"/>
+            <a:ext cx="323850" cy="300038"/>
+          </a:xfrm>
+          <a:prstGeom prst="mathMinus">
+            <a:avLst/>
+          </a:prstGeom>
+          <a:ln/>
+        </p:spPr>
+        <p:style>
+          <a:lnRef idx="2">
+            <a:schemeClr val="accent2">
+              <a:shade val="50000"/>
+            </a:schemeClr>
+          </a:lnRef>
+          <a:fillRef idx="1">
+            <a:schemeClr val="accent2"/>
+          </a:fillRef>
+          <a:effectRef idx="0">
+            <a:schemeClr val="accent2"/>
+          </a:effectRef>
+          <a:fontRef idx="minor">
+            <a:schemeClr val="lt1"/>
+          </a:fontRef>
+        </p:style>
+        <p:txBody>
+          <a:bodyPr rtlCol="0" anchor="ctr"/>
+          <a:lstStyle/>
+          <a:p>
+            <a:pPr algn="ctr">
+              <a:lnSpc>
+                <a:spcPct val="100000"/>
+              </a:lnSpc>
+              <a:spcBef>
+                <a:spcPts val="0"/>
+              </a:spcBef>
+            </a:pPr>
+            <a:endParaRPr lang="ko-KR" altLang="en-US" b="1" dirty="0" smtClean="0">
+              <a:solidFill>
+                <a:srgbClr val="002060"/>
+              </a:solidFill>
+              <a:latin typeface="Arial" panose="020B0604020202020204" pitchFamily="34" charset="0"/>
+              <a:ea typeface="맑은 고딕" pitchFamily="50" charset="-127"/>
+              <a:cs typeface="Arial" panose="020B0604020202020204" pitchFamily="34" charset="0"/>
+            </a:endParaRPr>
+          </a:p>
+        </p:txBody>
+      </p:sp>
     </p:spTree>
     <p:extLst>
       <p:ext uri="{BB962C8B-B14F-4D97-AF65-F5344CB8AC3E}">

--- a/stock_learning_rnn/딥러닝과제_RNN주가예측모델_180623.pptx
+++ b/stock_learning_rnn/딥러닝과제_RNN주가예측모델_180623.pptx
@@ -198,7 +198,7 @@
       </p14:sectionLst>
     </p:ext>
     <p:ext uri="{EFAFB233-063F-42B5-8137-9DF3F51BA10A}">
-      <p15:sldGuideLst xmlns="" xmlns:p15="http://schemas.microsoft.com/office/powerpoint/2012/main">
+      <p15:sldGuideLst xmlns:p15="http://schemas.microsoft.com/office/powerpoint/2012/main" xmlns="">
         <p15:guide id="1" orient="horz" pos="3997" userDrawn="1">
           <p15:clr>
             <a:srgbClr val="A4A3A4"/>
@@ -272,7 +272,7 @@
       </p15:sldGuideLst>
     </p:ext>
     <p:ext uri="{2D200454-40CA-4A62-9FC3-DE9A4176ACB9}">
-      <p15:notesGuideLst xmlns="" xmlns:p15="http://schemas.microsoft.com/office/powerpoint/2012/main">
+      <p15:notesGuideLst xmlns:p15="http://schemas.microsoft.com/office/powerpoint/2012/main" xmlns="">
         <p15:guide id="1" orient="horz" pos="3128" userDrawn="1">
           <p15:clr>
             <a:srgbClr val="A4A3A4"/>
@@ -14011,7 +14011,7 @@
               </a:spcBef>
             </a:pPr>
             <a:r>
-              <a:rPr lang="en-US" altLang="ko-KR" sz="1200" b="1" smtClean="0">
+              <a:rPr lang="en-US" altLang="ko-KR" sz="1200" b="1" dirty="0" smtClean="0">
                 <a:solidFill>
                   <a:schemeClr val="bg1">
                     <a:lumMod val="50000"/>
@@ -14021,7 +14021,7 @@
                 <a:ea typeface="맑은 고딕" panose="020B0503020000020004" pitchFamily="50" charset="-127"/>
                 <a:cs typeface="Arial" panose="020B0604020202020204" pitchFamily="34" charset="0"/>
               </a:rPr>
-              <a:t>3024/4320</a:t>
+              <a:t>50/4320</a:t>
             </a:r>
             <a:endParaRPr kumimoji="1" lang="ko-KR" altLang="en-US" sz="1200" b="1" dirty="0" smtClean="0">
               <a:solidFill>
